--- a/2DGP 2차 프로젝트.pptx
+++ b/2DGP 2차 프로젝트.pptx
@@ -8,7 +8,7 @@
     <p:sldId id="256" r:id="rId2"/>
     <p:sldId id="257" r:id="rId3"/>
     <p:sldId id="258" r:id="rId4"/>
-    <p:sldId id="259" r:id="rId5"/>
+    <p:sldId id="260" r:id="rId5"/>
   </p:sldIdLst>
   <p:sldSz cx="12192000" cy="6858000"/>
   <p:notesSz cx="6858000" cy="9144000"/>
@@ -107,6 +107,11 @@
       </a:defRPr>
     </a:lvl9pPr>
   </p:defaultTextStyle>
+  <p:extLst>
+    <p:ext uri="{EFAFB233-063F-42B5-8137-9DF3F51BA10A}">
+      <p15:sldGuideLst xmlns:p15="http://schemas.microsoft.com/office/powerpoint/2012/main"/>
+    </p:ext>
+  </p:extLst>
 </p:presentation>
 </file>
 
@@ -257,7 +262,7 @@
           <a:p>
             <a:fld id="{91506209-B683-49D9-87FD-E1710D613CA8}" type="datetimeFigureOut">
               <a:rPr lang="ko-KR" altLang="en-US" smtClean="0"/>
-              <a:t>2021-10-19</a:t>
+              <a:t>2021-10-20</a:t>
             </a:fld>
             <a:endParaRPr lang="ko-KR" altLang="en-US"/>
           </a:p>
@@ -455,7 +460,7 @@
           <a:p>
             <a:fld id="{91506209-B683-49D9-87FD-E1710D613CA8}" type="datetimeFigureOut">
               <a:rPr lang="ko-KR" altLang="en-US" smtClean="0"/>
-              <a:t>2021-10-19</a:t>
+              <a:t>2021-10-20</a:t>
             </a:fld>
             <a:endParaRPr lang="ko-KR" altLang="en-US"/>
           </a:p>
@@ -663,7 +668,7 @@
           <a:p>
             <a:fld id="{91506209-B683-49D9-87FD-E1710D613CA8}" type="datetimeFigureOut">
               <a:rPr lang="ko-KR" altLang="en-US" smtClean="0"/>
-              <a:t>2021-10-19</a:t>
+              <a:t>2021-10-20</a:t>
             </a:fld>
             <a:endParaRPr lang="ko-KR" altLang="en-US"/>
           </a:p>
@@ -861,7 +866,7 @@
           <a:p>
             <a:fld id="{91506209-B683-49D9-87FD-E1710D613CA8}" type="datetimeFigureOut">
               <a:rPr lang="ko-KR" altLang="en-US" smtClean="0"/>
-              <a:t>2021-10-19</a:t>
+              <a:t>2021-10-20</a:t>
             </a:fld>
             <a:endParaRPr lang="ko-KR" altLang="en-US"/>
           </a:p>
@@ -1136,7 +1141,7 @@
           <a:p>
             <a:fld id="{91506209-B683-49D9-87FD-E1710D613CA8}" type="datetimeFigureOut">
               <a:rPr lang="ko-KR" altLang="en-US" smtClean="0"/>
-              <a:t>2021-10-19</a:t>
+              <a:t>2021-10-20</a:t>
             </a:fld>
             <a:endParaRPr lang="ko-KR" altLang="en-US"/>
           </a:p>
@@ -1401,7 +1406,7 @@
           <a:p>
             <a:fld id="{91506209-B683-49D9-87FD-E1710D613CA8}" type="datetimeFigureOut">
               <a:rPr lang="ko-KR" altLang="en-US" smtClean="0"/>
-              <a:t>2021-10-19</a:t>
+              <a:t>2021-10-20</a:t>
             </a:fld>
             <a:endParaRPr lang="ko-KR" altLang="en-US"/>
           </a:p>
@@ -1813,7 +1818,7 @@
           <a:p>
             <a:fld id="{91506209-B683-49D9-87FD-E1710D613CA8}" type="datetimeFigureOut">
               <a:rPr lang="ko-KR" altLang="en-US" smtClean="0"/>
-              <a:t>2021-10-19</a:t>
+              <a:t>2021-10-20</a:t>
             </a:fld>
             <a:endParaRPr lang="ko-KR" altLang="en-US"/>
           </a:p>
@@ -1954,7 +1959,7 @@
           <a:p>
             <a:fld id="{91506209-B683-49D9-87FD-E1710D613CA8}" type="datetimeFigureOut">
               <a:rPr lang="ko-KR" altLang="en-US" smtClean="0"/>
-              <a:t>2021-10-19</a:t>
+              <a:t>2021-10-20</a:t>
             </a:fld>
             <a:endParaRPr lang="ko-KR" altLang="en-US"/>
           </a:p>
@@ -2067,7 +2072,7 @@
           <a:p>
             <a:fld id="{91506209-B683-49D9-87FD-E1710D613CA8}" type="datetimeFigureOut">
               <a:rPr lang="ko-KR" altLang="en-US" smtClean="0"/>
-              <a:t>2021-10-19</a:t>
+              <a:t>2021-10-20</a:t>
             </a:fld>
             <a:endParaRPr lang="ko-KR" altLang="en-US"/>
           </a:p>
@@ -2378,7 +2383,7 @@
           <a:p>
             <a:fld id="{91506209-B683-49D9-87FD-E1710D613CA8}" type="datetimeFigureOut">
               <a:rPr lang="ko-KR" altLang="en-US" smtClean="0"/>
-              <a:t>2021-10-19</a:t>
+              <a:t>2021-10-20</a:t>
             </a:fld>
             <a:endParaRPr lang="ko-KR" altLang="en-US"/>
           </a:p>
@@ -2666,7 +2671,7 @@
           <a:p>
             <a:fld id="{91506209-B683-49D9-87FD-E1710D613CA8}" type="datetimeFigureOut">
               <a:rPr lang="ko-KR" altLang="en-US" smtClean="0"/>
-              <a:t>2021-10-19</a:t>
+              <a:t>2021-10-20</a:t>
             </a:fld>
             <a:endParaRPr lang="ko-KR" altLang="en-US"/>
           </a:p>
@@ -2907,7 +2912,7 @@
           <a:p>
             <a:fld id="{91506209-B683-49D9-87FD-E1710D613CA8}" type="datetimeFigureOut">
               <a:rPr lang="ko-KR" altLang="en-US" smtClean="0"/>
-              <a:t>2021-10-19</a:t>
+              <a:t>2021-10-20</a:t>
             </a:fld>
             <a:endParaRPr lang="ko-KR" altLang="en-US"/>
           </a:p>
@@ -3894,8 +3899,53 @@
                   <a:srgbClr val="FFFFFF"/>
                 </a:solidFill>
               </a:rPr>
-              <a:t>프로젝트 개발 진행 상황</a:t>
-            </a:r>
+              <a:t>프로젝트 개발 진행 상황         </a:t>
+            </a:r>
+            <a:r>
+              <a:rPr lang="en-US" altLang="ko-KR" sz="4000" dirty="0">
+                <a:solidFill>
+                  <a:srgbClr val="FFFFFF"/>
+                </a:solidFill>
+              </a:rPr>
+              <a:t>(</a:t>
+            </a:r>
+            <a:r>
+              <a:rPr lang="ko-KR" altLang="en-US" sz="4000" dirty="0">
+                <a:solidFill>
+                  <a:srgbClr val="FFFFFF"/>
+                </a:solidFill>
+              </a:rPr>
+              <a:t>약 </a:t>
+            </a:r>
+            <a:r>
+              <a:rPr lang="en-US" altLang="ko-KR" sz="4000" dirty="0">
+                <a:solidFill>
+                  <a:srgbClr val="FFFFFF"/>
+                </a:solidFill>
+              </a:rPr>
+              <a:t>70</a:t>
+            </a:r>
+            <a:r>
+              <a:rPr lang="ko-KR" altLang="en-US" sz="4000" dirty="0">
+                <a:solidFill>
+                  <a:srgbClr val="FFFFFF"/>
+                </a:solidFill>
+              </a:rPr>
+              <a:t>퍼</a:t>
+            </a:r>
+            <a:r>
+              <a:rPr lang="en-US" altLang="ko-KR" sz="4000" dirty="0">
+                <a:solidFill>
+                  <a:srgbClr val="FFFFFF"/>
+                </a:solidFill>
+              </a:rPr>
+              <a:t>)</a:t>
+            </a:r>
+            <a:endParaRPr lang="ko-KR" altLang="en-US" sz="4000" dirty="0">
+              <a:solidFill>
+                <a:srgbClr val="FFFFFF"/>
+              </a:solidFill>
+            </a:endParaRPr>
           </a:p>
         </p:txBody>
       </p:sp>
@@ -3915,7 +3965,7 @@
             <p:ph idx="1"/>
             <p:extLst>
               <p:ext uri="{D42A27DB-BD31-4B8C-83A1-F6EECF244321}">
-                <p14:modId xmlns:p14="http://schemas.microsoft.com/office/powerpoint/2010/main" val="1457583474"/>
+                <p14:modId xmlns:p14="http://schemas.microsoft.com/office/powerpoint/2010/main" val="2070915543"/>
               </p:ext>
             </p:extLst>
           </p:nvPr>
@@ -4317,7 +4367,7 @@
                       <a:pPr algn="ctr" latinLnBrk="1"/>
                       <a:r>
                         <a:rPr lang="en-US" altLang="ko-KR" sz="1200" b="1" dirty="0"/>
-                        <a:t>60%</a:t>
+                        <a:t>75%</a:t>
                       </a:r>
                       <a:endParaRPr lang="ko-KR" altLang="en-US" sz="1200" b="1" dirty="0"/>
                     </a:p>
@@ -5916,7 +5966,7 @@
                         <a:buAutoNum type="arabicPeriod"/>
                       </a:pPr>
                       <a:r>
-                        <a:rPr lang="ko-KR" altLang="en-US" sz="1000" b="0">
+                        <a:rPr lang="ko-KR" altLang="en-US" sz="1000" b="0" dirty="0">
                           <a:solidFill>
                             <a:schemeClr val="tx1"/>
                           </a:solidFill>
@@ -5924,7 +5974,7 @@
                         <a:t>적군 오브젝트 </a:t>
                       </a:r>
                       <a:r>
-                        <a:rPr lang="en-US" altLang="ko-KR" sz="1000" b="0">
+                        <a:rPr lang="en-US" altLang="ko-KR" sz="1000" b="0" dirty="0">
                           <a:solidFill>
                             <a:schemeClr val="tx1"/>
                           </a:solidFill>
@@ -5932,14 +5982,14 @@
                         <a:t>3</a:t>
                       </a:r>
                       <a:r>
-                        <a:rPr lang="ko-KR" altLang="en-US" sz="1000" b="0">
+                        <a:rPr lang="ko-KR" altLang="en-US" sz="1000" b="0" dirty="0">
                           <a:solidFill>
                             <a:schemeClr val="tx1"/>
                           </a:solidFill>
                         </a:rPr>
                         <a:t>종 구현</a:t>
                       </a:r>
-                      <a:endParaRPr lang="en-US" altLang="ko-KR" sz="1000" b="0">
+                      <a:endParaRPr lang="en-US" altLang="ko-KR" sz="1000" b="0" dirty="0">
                         <a:solidFill>
                           <a:schemeClr val="tx1"/>
                         </a:solidFill>
@@ -5950,7 +6000,7 @@
                         <a:buAutoNum type="arabicPeriod"/>
                       </a:pPr>
                       <a:r>
-                        <a:rPr lang="ko-KR" altLang="en-US" sz="1000" b="0">
+                        <a:rPr lang="ko-KR" altLang="en-US" sz="1000" b="0" dirty="0">
                           <a:solidFill>
                             <a:srgbClr val="FF0000"/>
                           </a:solidFill>
@@ -5958,7 +6008,7 @@
                         <a:t>피격 시 충돌 체크 및 데미지 적용 </a:t>
                       </a:r>
                       <a:r>
-                        <a:rPr lang="en-US" altLang="ko-KR" sz="1000" b="0">
+                        <a:rPr lang="en-US" altLang="ko-KR" sz="1000" b="0" dirty="0">
                           <a:solidFill>
                             <a:srgbClr val="FF0000"/>
                           </a:solidFill>
@@ -5966,7 +6016,7 @@
                         <a:t>(8</a:t>
                       </a:r>
                       <a:r>
-                        <a:rPr lang="ko-KR" altLang="en-US" sz="1000" b="0">
+                        <a:rPr lang="ko-KR" altLang="en-US" sz="1000" b="0" dirty="0">
                           <a:solidFill>
                             <a:srgbClr val="FF0000"/>
                           </a:solidFill>
@@ -5974,7 +6024,7 @@
                         <a:t>주차</a:t>
                       </a:r>
                       <a:r>
-                        <a:rPr lang="en-US" altLang="ko-KR" sz="1000" b="0">
+                        <a:rPr lang="en-US" altLang="ko-KR" sz="1000" b="0" dirty="0">
                           <a:solidFill>
                             <a:srgbClr val="FF0000"/>
                           </a:solidFill>
@@ -5987,14 +6037,14 @@
                         <a:buAutoNum type="arabicPeriod"/>
                       </a:pPr>
                       <a:r>
-                        <a:rPr lang="ko-KR" altLang="en-US" sz="1000" b="0">
+                        <a:rPr lang="ko-KR" altLang="en-US" sz="1000" b="0" dirty="0">
                           <a:solidFill>
                             <a:schemeClr val="tx1"/>
                           </a:solidFill>
                         </a:rPr>
                         <a:t>적군 능력치 프로그램에 정의</a:t>
                       </a:r>
-                      <a:endParaRPr lang="en-US" altLang="ko-KR" sz="1000" b="0">
+                      <a:endParaRPr lang="en-US" altLang="ko-KR" sz="1000" b="0" dirty="0">
                         <a:solidFill>
                           <a:schemeClr val="tx1"/>
                         </a:solidFill>
@@ -6005,14 +6055,14 @@
                         <a:buAutoNum type="arabicPeriod"/>
                       </a:pPr>
                       <a:r>
-                        <a:rPr lang="ko-KR" altLang="en-US" sz="1000" b="0">
+                        <a:rPr lang="ko-KR" altLang="en-US" sz="1000" b="0" dirty="0">
                           <a:solidFill>
                             <a:schemeClr val="accent1"/>
                           </a:solidFill>
                         </a:rPr>
                         <a:t>게임 시작 전 화면 구현 </a:t>
                       </a:r>
-                      <a:endParaRPr lang="ko-Kore-KR" altLang="en-US" sz="1000" b="0">
+                      <a:endParaRPr lang="ko-Kore-KR" altLang="en-US" sz="1000" b="0" dirty="0">
                         <a:solidFill>
                           <a:schemeClr val="accent1"/>
                         </a:solidFill>
@@ -6112,14 +6162,38 @@
                         <a:buAutoNum type="arabicPeriod"/>
                       </a:pPr>
                       <a:r>
-                        <a:rPr lang="ko-KR" altLang="en-US" sz="1000" b="0">
-                          <a:solidFill>
-                            <a:schemeClr val="tx1"/>
-                          </a:solidFill>
-                        </a:rPr>
-                        <a:t>맵과 맵사이의 연결</a:t>
-                      </a:r>
-                      <a:endParaRPr lang="en-US" altLang="ko-KR" sz="1000" b="0">
+                        <a:rPr lang="ko-KR" altLang="en-US" sz="1000" b="0" dirty="0" err="1">
+                          <a:solidFill>
+                            <a:schemeClr val="tx1"/>
+                          </a:solidFill>
+                        </a:rPr>
+                        <a:t>맵과</a:t>
+                      </a:r>
+                      <a:r>
+                        <a:rPr lang="ko-KR" altLang="en-US" sz="1000" b="0" dirty="0">
+                          <a:solidFill>
+                            <a:schemeClr val="tx1"/>
+                          </a:solidFill>
+                        </a:rPr>
+                        <a:t> </a:t>
+                      </a:r>
+                      <a:r>
+                        <a:rPr lang="ko-KR" altLang="en-US" sz="1000" b="0" dirty="0" err="1">
+                          <a:solidFill>
+                            <a:schemeClr val="tx1"/>
+                          </a:solidFill>
+                        </a:rPr>
+                        <a:t>맵사이의</a:t>
+                      </a:r>
+                      <a:r>
+                        <a:rPr lang="ko-KR" altLang="en-US" sz="1000" b="0" dirty="0">
+                          <a:solidFill>
+                            <a:schemeClr val="tx1"/>
+                          </a:solidFill>
+                        </a:rPr>
+                        <a:t> 연결</a:t>
+                      </a:r>
+                      <a:endParaRPr lang="en-US" altLang="ko-KR" sz="1000" b="0" dirty="0">
                         <a:solidFill>
                           <a:schemeClr val="tx1"/>
                         </a:solidFill>
@@ -6130,14 +6204,22 @@
                         <a:buAutoNum type="arabicPeriod"/>
                       </a:pPr>
                       <a:r>
-                        <a:rPr lang="ko-KR" altLang="en-US" sz="1000" b="0">
-                          <a:solidFill>
-                            <a:schemeClr val="tx1"/>
-                          </a:solidFill>
-                        </a:rPr>
-                        <a:t>적군과 아군의 체력 게이지 랜더링</a:t>
-                      </a:r>
-                      <a:endParaRPr lang="en-US" altLang="ko-KR" sz="1000" b="0">
+                        <a:rPr lang="ko-KR" altLang="en-US" sz="1000" b="0" dirty="0">
+                          <a:solidFill>
+                            <a:schemeClr val="tx1"/>
+                          </a:solidFill>
+                        </a:rPr>
+                        <a:t>적군과 아군의 체력 게이지 </a:t>
+                      </a:r>
+                      <a:r>
+                        <a:rPr lang="ko-KR" altLang="en-US" sz="1000" b="0" dirty="0" err="1">
+                          <a:solidFill>
+                            <a:schemeClr val="tx1"/>
+                          </a:solidFill>
+                        </a:rPr>
+                        <a:t>랜더링</a:t>
+                      </a:r>
+                      <a:endParaRPr lang="en-US" altLang="ko-KR" sz="1000" b="0" dirty="0">
                         <a:solidFill>
                           <a:schemeClr val="tx1"/>
                         </a:solidFill>
@@ -6148,7 +6230,7 @@
                         <a:buAutoNum type="arabicPeriod"/>
                       </a:pPr>
                       <a:r>
-                        <a:rPr lang="ko-KR" altLang="en-US" sz="1000" b="0">
+                        <a:rPr lang="ko-KR" altLang="en-US" sz="1000" b="0" dirty="0">
                           <a:solidFill>
                             <a:schemeClr val="tx1"/>
                           </a:solidFill>
@@ -6156,7 +6238,7 @@
                         <a:t>중간 점건 </a:t>
                       </a:r>
                       <a:r>
-                        <a:rPr lang="en-US" altLang="ko-KR" sz="1000" b="0">
+                        <a:rPr lang="en-US" altLang="ko-KR" sz="1000" b="0" dirty="0">
                           <a:solidFill>
                             <a:schemeClr val="tx1"/>
                           </a:solidFill>
@@ -6164,14 +6246,14 @@
                         <a:t>/</a:t>
                       </a:r>
                       <a:r>
-                        <a:rPr lang="ko-KR" altLang="en-US" sz="1000" b="0">
+                        <a:rPr lang="ko-KR" altLang="en-US" sz="1000" b="0" dirty="0">
                           <a:solidFill>
                             <a:schemeClr val="tx1"/>
                           </a:solidFill>
                         </a:rPr>
                         <a:t> 보완</a:t>
                       </a:r>
-                      <a:endParaRPr lang="en-US" altLang="ko-KR" sz="1000" b="0">
+                      <a:endParaRPr lang="en-US" altLang="ko-KR" sz="1000" b="0" dirty="0">
                         <a:solidFill>
                           <a:schemeClr val="tx1"/>
                         </a:solidFill>
@@ -6837,6 +6919,14 @@
 <file path=ppt/slides/slide4.xml><?xml version="1.0" encoding="utf-8"?>
 <p:sld xmlns:a="http://schemas.openxmlformats.org/drawingml/2006/main" xmlns:r="http://schemas.openxmlformats.org/officeDocument/2006/relationships" xmlns:p="http://schemas.openxmlformats.org/presentationml/2006/main">
   <p:cSld>
+    <p:bg>
+      <p:bgPr>
+        <a:solidFill>
+          <a:schemeClr val="bg1"/>
+        </a:solidFill>
+        <a:effectLst/>
+      </p:bgPr>
+    </p:bg>
     <p:spTree>
       <p:nvGrpSpPr>
         <p:cNvPr id="1" name=""/>
@@ -6851,12 +6941,314 @@
           <a:chExt cx="0" cy="0"/>
         </a:xfrm>
       </p:grpSpPr>
+      <p:sp useBgFill="1">
+        <p:nvSpPr>
+          <p:cNvPr id="9" name="Rectangle 8">
+            <a:extLst>
+              <a:ext uri="{FF2B5EF4-FFF2-40B4-BE49-F238E27FC236}">
+                <a16:creationId xmlns:a16="http://schemas.microsoft.com/office/drawing/2014/main" id="{BACC6370-2D7E-4714-9D71-7542949D7D5D}"/>
+              </a:ext>
+              <a:ext uri="{C183D7F6-B498-43B3-948B-1728B52AA6E4}">
+                <adec:decorative xmlns:adec="http://schemas.microsoft.com/office/drawing/2017/decorative" val="1"/>
+              </a:ext>
+            </a:extLst>
+          </p:cNvPr>
+          <p:cNvSpPr>
+            <a:spLocks noGrp="1" noRot="1" noChangeAspect="1" noMove="1" noResize="1" noEditPoints="1" noAdjustHandles="1" noChangeArrowheads="1" noChangeShapeType="1" noTextEdit="1"/>
+          </p:cNvSpPr>
+          <p:nvPr>
+            <p:extLst>
+              <p:ext uri="{386F3935-93C4-4BCD-93E2-E3B085C9AB24}">
+                <p16:designElem xmlns:p16="http://schemas.microsoft.com/office/powerpoint/2015/main" val="1"/>
+              </p:ext>
+            </p:extLst>
+          </p:nvPr>
+        </p:nvSpPr>
+        <p:spPr>
+          <a:xfrm>
+            <a:off x="0" y="0"/>
+            <a:ext cx="12192000" cy="6858000"/>
+          </a:xfrm>
+          <a:prstGeom prst="rect">
+            <a:avLst/>
+          </a:prstGeom>
+          <a:ln w="12700" cap="flat" cmpd="sng" algn="ctr">
+            <a:noFill/>
+            <a:prstDash val="solid"/>
+            <a:miter lim="800000"/>
+          </a:ln>
+          <a:effectLst/>
+          <a:extLst>
+            <a:ext uri="{91240B29-F687-4F45-9708-019B960494DF}">
+              <a14:hiddenLine xmlns:a14="http://schemas.microsoft.com/office/drawing/2010/main" w="12700" cap="flat" cmpd="sng" algn="ctr">
+                <a:solidFill>
+                  <a:schemeClr val="accent1">
+                    <a:shade val="50000"/>
+                  </a:schemeClr>
+                </a:solidFill>
+                <a:prstDash val="solid"/>
+                <a:miter lim="800000"/>
+              </a14:hiddenLine>
+            </a:ext>
+          </a:extLst>
+        </p:spPr>
+        <p:style>
+          <a:lnRef idx="2">
+            <a:schemeClr val="accent1">
+              <a:shade val="50000"/>
+            </a:schemeClr>
+          </a:lnRef>
+          <a:fillRef idx="1">
+            <a:schemeClr val="accent1"/>
+          </a:fillRef>
+          <a:effectRef idx="0">
+            <a:schemeClr val="accent1"/>
+          </a:effectRef>
+          <a:fontRef idx="minor">
+            <a:schemeClr val="lt1"/>
+          </a:fontRef>
+        </p:style>
+        <p:txBody>
+          <a:bodyPr rtlCol="0" anchor="ctr"/>
+          <a:lstStyle/>
+          <a:p>
+            <a:pPr algn="ctr"/>
+            <a:endParaRPr lang="en-US"/>
+          </a:p>
+        </p:txBody>
+      </p:sp>
+      <p:sp>
+        <p:nvSpPr>
+          <p:cNvPr id="11" name="Rectangle 10">
+            <a:extLst>
+              <a:ext uri="{FF2B5EF4-FFF2-40B4-BE49-F238E27FC236}">
+                <a16:creationId xmlns:a16="http://schemas.microsoft.com/office/drawing/2014/main" id="{F68B3F68-107C-434F-AA38-110D5EA91B85}"/>
+              </a:ext>
+              <a:ext uri="{C183D7F6-B498-43B3-948B-1728B52AA6E4}">
+                <adec:decorative xmlns:adec="http://schemas.microsoft.com/office/drawing/2017/decorative" val="1"/>
+              </a:ext>
+            </a:extLst>
+          </p:cNvPr>
+          <p:cNvSpPr>
+            <a:spLocks noGrp="1" noRot="1" noChangeAspect="1" noMove="1" noResize="1" noEditPoints="1" noAdjustHandles="1" noChangeArrowheads="1" noChangeShapeType="1" noTextEdit="1"/>
+          </p:cNvSpPr>
+          <p:nvPr>
+            <p:extLst>
+              <p:ext uri="{386F3935-93C4-4BCD-93E2-E3B085C9AB24}">
+                <p16:designElem xmlns:p16="http://schemas.microsoft.com/office/powerpoint/2015/main" val="1"/>
+              </p:ext>
+            </p:extLst>
+          </p:nvPr>
+        </p:nvSpPr>
+        <p:spPr>
+          <a:xfrm flipH="1">
+            <a:off x="2" y="0"/>
+            <a:ext cx="12191998" cy="1575955"/>
+          </a:xfrm>
+          <a:prstGeom prst="rect">
+            <a:avLst/>
+          </a:prstGeom>
+          <a:gradFill>
+            <a:gsLst>
+              <a:gs pos="0">
+                <a:srgbClr val="000000">
+                  <a:alpha val="96000"/>
+                </a:srgbClr>
+              </a:gs>
+              <a:gs pos="100000">
+                <a:schemeClr val="accent1">
+                  <a:lumMod val="75000"/>
+                </a:schemeClr>
+              </a:gs>
+            </a:gsLst>
+            <a:lin ang="8400000" scaled="0"/>
+          </a:gradFill>
+          <a:ln>
+            <a:noFill/>
+          </a:ln>
+        </p:spPr>
+        <p:style>
+          <a:lnRef idx="2">
+            <a:schemeClr val="accent1">
+              <a:shade val="50000"/>
+            </a:schemeClr>
+          </a:lnRef>
+          <a:fillRef idx="1">
+            <a:schemeClr val="accent1"/>
+          </a:fillRef>
+          <a:effectRef idx="0">
+            <a:schemeClr val="accent1"/>
+          </a:effectRef>
+          <a:fontRef idx="minor">
+            <a:schemeClr val="lt1"/>
+          </a:fontRef>
+        </p:style>
+        <p:txBody>
+          <a:bodyPr rtlCol="0" anchor="ctr"/>
+          <a:lstStyle/>
+          <a:p>
+            <a:pPr algn="ctr"/>
+            <a:endParaRPr lang="en-US"/>
+          </a:p>
+        </p:txBody>
+      </p:sp>
+      <p:sp>
+        <p:nvSpPr>
+          <p:cNvPr id="13" name="Rectangle 12">
+            <a:extLst>
+              <a:ext uri="{FF2B5EF4-FFF2-40B4-BE49-F238E27FC236}">
+                <a16:creationId xmlns:a16="http://schemas.microsoft.com/office/drawing/2014/main" id="{AAD0DBB9-1A4B-4391-81D4-CB19F9AB918A}"/>
+              </a:ext>
+              <a:ext uri="{C183D7F6-B498-43B3-948B-1728B52AA6E4}">
+                <adec:decorative xmlns:adec="http://schemas.microsoft.com/office/drawing/2017/decorative" val="1"/>
+              </a:ext>
+            </a:extLst>
+          </p:cNvPr>
+          <p:cNvSpPr>
+            <a:spLocks noGrp="1" noRot="1" noChangeAspect="1" noMove="1" noResize="1" noEditPoints="1" noAdjustHandles="1" noChangeArrowheads="1" noChangeShapeType="1" noTextEdit="1"/>
+          </p:cNvSpPr>
+          <p:nvPr>
+            <p:extLst>
+              <p:ext uri="{386F3935-93C4-4BCD-93E2-E3B085C9AB24}">
+                <p16:designElem xmlns:p16="http://schemas.microsoft.com/office/powerpoint/2015/main" val="1"/>
+              </p:ext>
+            </p:extLst>
+          </p:nvPr>
+        </p:nvSpPr>
+        <p:spPr>
+          <a:xfrm rot="10800000" flipH="1">
+            <a:off x="8128857" y="0"/>
+            <a:ext cx="4063143" cy="1576412"/>
+          </a:xfrm>
+          <a:prstGeom prst="rect">
+            <a:avLst/>
+          </a:prstGeom>
+          <a:gradFill>
+            <a:gsLst>
+              <a:gs pos="19000">
+                <a:schemeClr val="accent1">
+                  <a:lumMod val="50000"/>
+                  <a:alpha val="68000"/>
+                </a:schemeClr>
+              </a:gs>
+              <a:gs pos="100000">
+                <a:schemeClr val="accent1">
+                  <a:alpha val="79000"/>
+                </a:schemeClr>
+              </a:gs>
+            </a:gsLst>
+            <a:lin ang="19200000" scaled="0"/>
+          </a:gradFill>
+          <a:ln>
+            <a:noFill/>
+          </a:ln>
+        </p:spPr>
+        <p:style>
+          <a:lnRef idx="2">
+            <a:schemeClr val="accent1">
+              <a:shade val="50000"/>
+            </a:schemeClr>
+          </a:lnRef>
+          <a:fillRef idx="1">
+            <a:schemeClr val="accent1"/>
+          </a:fillRef>
+          <a:effectRef idx="0">
+            <a:schemeClr val="accent1"/>
+          </a:effectRef>
+          <a:fontRef idx="minor">
+            <a:schemeClr val="lt1"/>
+          </a:fontRef>
+        </p:style>
+        <p:txBody>
+          <a:bodyPr rtlCol="0" anchor="ctr"/>
+          <a:lstStyle/>
+          <a:p>
+            <a:pPr algn="ctr"/>
+            <a:endParaRPr lang="en-US"/>
+          </a:p>
+        </p:txBody>
+      </p:sp>
+      <p:sp>
+        <p:nvSpPr>
+          <p:cNvPr id="15" name="Rectangle 14">
+            <a:extLst>
+              <a:ext uri="{FF2B5EF4-FFF2-40B4-BE49-F238E27FC236}">
+                <a16:creationId xmlns:a16="http://schemas.microsoft.com/office/drawing/2014/main" id="{063BBA22-50EA-4C4D-BE05-F1CE4E63AA56}"/>
+              </a:ext>
+              <a:ext uri="{C183D7F6-B498-43B3-948B-1728B52AA6E4}">
+                <adec:decorative xmlns:adec="http://schemas.microsoft.com/office/drawing/2017/decorative" val="1"/>
+              </a:ext>
+            </a:extLst>
+          </p:cNvPr>
+          <p:cNvSpPr>
+            <a:spLocks noGrp="1" noRot="1" noChangeAspect="1" noMove="1" noResize="1" noEditPoints="1" noAdjustHandles="1" noChangeArrowheads="1" noChangeShapeType="1" noTextEdit="1"/>
+          </p:cNvSpPr>
+          <p:nvPr>
+            <p:extLst>
+              <p:ext uri="{386F3935-93C4-4BCD-93E2-E3B085C9AB24}">
+                <p16:designElem xmlns:p16="http://schemas.microsoft.com/office/powerpoint/2015/main" val="1"/>
+              </p:ext>
+            </p:extLst>
+          </p:nvPr>
+        </p:nvSpPr>
+        <p:spPr>
+          <a:xfrm rot="5400000">
+            <a:off x="5307777" y="-5307778"/>
+            <a:ext cx="1576446" cy="12192002"/>
+          </a:xfrm>
+          <a:prstGeom prst="rect">
+            <a:avLst/>
+          </a:prstGeom>
+          <a:gradFill>
+            <a:gsLst>
+              <a:gs pos="23000">
+                <a:schemeClr val="accent1">
+                  <a:alpha val="0"/>
+                </a:schemeClr>
+              </a:gs>
+              <a:gs pos="99000">
+                <a:srgbClr val="000000">
+                  <a:alpha val="74000"/>
+                </a:srgbClr>
+              </a:gs>
+            </a:gsLst>
+            <a:lin ang="20400000" scaled="0"/>
+          </a:gradFill>
+          <a:ln>
+            <a:noFill/>
+          </a:ln>
+        </p:spPr>
+        <p:style>
+          <a:lnRef idx="2">
+            <a:schemeClr val="accent1">
+              <a:shade val="50000"/>
+            </a:schemeClr>
+          </a:lnRef>
+          <a:fillRef idx="1">
+            <a:schemeClr val="accent1"/>
+          </a:fillRef>
+          <a:effectRef idx="0">
+            <a:schemeClr val="accent1"/>
+          </a:effectRef>
+          <a:fontRef idx="minor">
+            <a:schemeClr val="lt1"/>
+          </a:fontRef>
+        </p:style>
+        <p:txBody>
+          <a:bodyPr rtlCol="0" anchor="ctr"/>
+          <a:lstStyle/>
+          <a:p>
+            <a:pPr algn="ctr"/>
+            <a:endParaRPr lang="en-US" dirty="0"/>
+          </a:p>
+        </p:txBody>
+      </p:sp>
       <p:sp>
         <p:nvSpPr>
           <p:cNvPr id="2" name="제목 1">
             <a:extLst>
               <a:ext uri="{FF2B5EF4-FFF2-40B4-BE49-F238E27FC236}">
-                <a16:creationId xmlns:a16="http://schemas.microsoft.com/office/drawing/2014/main" id="{1B6A698C-5C4D-4AE4-B2BD-EE6B68B0E2B5}"/>
+                <a16:creationId xmlns:a16="http://schemas.microsoft.com/office/drawing/2014/main" id="{03E55646-F197-44E1-AC04-8B9D752E8496}"/>
               </a:ext>
             </a:extLst>
           </p:cNvPr>
@@ -6867,44 +7259,123 @@
             <p:ph type="title"/>
           </p:nvPr>
         </p:nvSpPr>
-        <p:spPr/>
-        <p:txBody>
-          <a:bodyPr/>
+        <p:spPr>
+          <a:xfrm>
+            <a:off x="1371597" y="348865"/>
+            <a:ext cx="10044023" cy="877729"/>
+          </a:xfrm>
+        </p:spPr>
+        <p:txBody>
+          <a:bodyPr anchor="ctr">
+            <a:normAutofit/>
+          </a:bodyPr>
           <a:lstStyle/>
           <a:p>
-            <a:endParaRPr lang="ko-KR" altLang="en-US"/>
-          </a:p>
-        </p:txBody>
-      </p:sp>
-      <p:sp>
-        <p:nvSpPr>
-          <p:cNvPr id="3" name="내용 개체 틀 2">
-            <a:extLst>
-              <a:ext uri="{FF2B5EF4-FFF2-40B4-BE49-F238E27FC236}">
-                <a16:creationId xmlns:a16="http://schemas.microsoft.com/office/drawing/2014/main" id="{D567BAF4-520D-4232-B8C1-F1BC307E31E2}"/>
-              </a:ext>
-            </a:extLst>
-          </p:cNvPr>
-          <p:cNvSpPr>
-            <a:spLocks noGrp="1"/>
-          </p:cNvSpPr>
+            <a:r>
+              <a:rPr lang="ko-KR" altLang="en-US" sz="4000">
+                <a:solidFill>
+                  <a:srgbClr val="FFFFFF"/>
+                </a:solidFill>
+              </a:rPr>
+              <a:t>계획 일부 수정</a:t>
+            </a:r>
+          </a:p>
+        </p:txBody>
+      </p:sp>
+      <p:pic>
+        <p:nvPicPr>
+          <p:cNvPr id="10" name="내용 개체 틀 4">
+            <a:extLst>
+              <a:ext uri="{FF2B5EF4-FFF2-40B4-BE49-F238E27FC236}">
+                <a16:creationId xmlns:a16="http://schemas.microsoft.com/office/drawing/2014/main" id="{DD5B0124-ADDF-4CA9-9D6A-1C7A7A87DAC7}"/>
+              </a:ext>
+            </a:extLst>
+          </p:cNvPr>
+          <p:cNvPicPr>
+            <a:picLocks noGrp="1" noChangeAspect="1"/>
+          </p:cNvPicPr>
           <p:nvPr>
             <p:ph idx="1"/>
           </p:nvPr>
-        </p:nvSpPr>
-        <p:spPr/>
-        <p:txBody>
-          <a:bodyPr/>
+        </p:nvPicPr>
+        <p:blipFill rotWithShape="1">
+          <a:blip r:embed="rId2"/>
+          <a:srcRect t="6837" r="3" b="3"/>
+          <a:stretch/>
+        </p:blipFill>
+        <p:spPr>
+          <a:xfrm>
+            <a:off x="1054222" y="1924820"/>
+            <a:ext cx="7425186" cy="4351338"/>
+          </a:xfrm>
+          <a:prstGeom prst="rect">
+            <a:avLst/>
+          </a:prstGeom>
+        </p:spPr>
+      </p:pic>
+      <p:sp>
+        <p:nvSpPr>
+          <p:cNvPr id="6" name="TextBox 5">
+            <a:extLst>
+              <a:ext uri="{FF2B5EF4-FFF2-40B4-BE49-F238E27FC236}">
+                <a16:creationId xmlns:a16="http://schemas.microsoft.com/office/drawing/2014/main" id="{524A756B-55BF-4063-968B-9B097D93AAD8}"/>
+              </a:ext>
+            </a:extLst>
+          </p:cNvPr>
+          <p:cNvSpPr txBox="1"/>
+          <p:nvPr/>
+        </p:nvSpPr>
+        <p:spPr>
+          <a:xfrm>
+            <a:off x="8448699" y="1924329"/>
+            <a:ext cx="3709357" cy="923330"/>
+          </a:xfrm>
+          <a:prstGeom prst="rect">
+            <a:avLst/>
+          </a:prstGeom>
+          <a:noFill/>
+        </p:spPr>
+        <p:txBody>
+          <a:bodyPr wrap="square" rtlCol="0">
+            <a:spAutoFit/>
+          </a:bodyPr>
           <a:lstStyle/>
           <a:p>
-            <a:endParaRPr lang="ko-KR" altLang="en-US"/>
+            <a:r>
+              <a:rPr lang="en-US" altLang="ko-KR" dirty="0" err="1"/>
+              <a:t>Dril</a:t>
+            </a:r>
+            <a:r>
+              <a:rPr lang="en-US" altLang="ko-KR" dirty="0"/>
+              <a:t> </a:t>
+            </a:r>
+            <a:r>
+              <a:rPr lang="ko-KR" altLang="en-US" dirty="0"/>
+              <a:t>과제 하고 같은 </a:t>
+            </a:r>
+            <a:r>
+              <a:rPr lang="ko-KR" altLang="en-US" dirty="0" err="1"/>
+              <a:t>레포지토리를</a:t>
+            </a:r>
+            <a:r>
+              <a:rPr lang="ko-KR" altLang="en-US" dirty="0"/>
+              <a:t> 사용해서 과제 보고 옮겨서 그 이후 </a:t>
+            </a:r>
+            <a:r>
+              <a:rPr lang="ko-KR" altLang="en-US" dirty="0" err="1"/>
+              <a:t>커밋</a:t>
+            </a:r>
+            <a:r>
+              <a:rPr lang="ko-KR" altLang="en-US" dirty="0"/>
+              <a:t> 히스토리 밖에 없습니다</a:t>
+            </a:r>
           </a:p>
         </p:txBody>
       </p:sp>
     </p:spTree>
     <p:extLst>
       <p:ext uri="{BB962C8B-B14F-4D97-AF65-F5344CB8AC3E}">
-        <p14:creationId xmlns:p14="http://schemas.microsoft.com/office/powerpoint/2010/main" val="888137021"/>
+        <p14:creationId xmlns:p14="http://schemas.microsoft.com/office/powerpoint/2010/main" val="1218653613"/>
       </p:ext>
     </p:extLst>
   </p:cSld>
